--- a/Final Report/Final Ppt-Leaf disease.pptx
+++ b/Final Report/Final Ppt-Leaf disease.pptx
@@ -336,7 +336,7 @@
           <a:p>
             <a:fld id="{3976DEC1-65EE-4EAA-B176-E18CFA2BBBE9}" type="datetimeFigureOut">
               <a:rPr lang="en-IN" smtClean="0"/>
-              <a:t>25-04-2024</a:t>
+              <a:t>05-05-2024</a:t>
             </a:fld>
             <a:endParaRPr lang="en-IN"/>
           </a:p>
@@ -506,7 +506,7 @@
           <a:p>
             <a:fld id="{3976DEC1-65EE-4EAA-B176-E18CFA2BBBE9}" type="datetimeFigureOut">
               <a:rPr lang="en-IN" smtClean="0"/>
-              <a:t>25-04-2024</a:t>
+              <a:t>05-05-2024</a:t>
             </a:fld>
             <a:endParaRPr lang="en-IN"/>
           </a:p>
@@ -686,7 +686,7 @@
           <a:p>
             <a:fld id="{3976DEC1-65EE-4EAA-B176-E18CFA2BBBE9}" type="datetimeFigureOut">
               <a:rPr lang="en-IN" smtClean="0"/>
-              <a:t>25-04-2024</a:t>
+              <a:t>05-05-2024</a:t>
             </a:fld>
             <a:endParaRPr lang="en-IN"/>
           </a:p>
@@ -856,7 +856,7 @@
           <a:p>
             <a:fld id="{3976DEC1-65EE-4EAA-B176-E18CFA2BBBE9}" type="datetimeFigureOut">
               <a:rPr lang="en-IN" smtClean="0"/>
-              <a:t>25-04-2024</a:t>
+              <a:t>05-05-2024</a:t>
             </a:fld>
             <a:endParaRPr lang="en-IN"/>
           </a:p>
@@ -1102,7 +1102,7 @@
           <a:p>
             <a:fld id="{3976DEC1-65EE-4EAA-B176-E18CFA2BBBE9}" type="datetimeFigureOut">
               <a:rPr lang="en-IN" smtClean="0"/>
-              <a:t>25-04-2024</a:t>
+              <a:t>05-05-2024</a:t>
             </a:fld>
             <a:endParaRPr lang="en-IN"/>
           </a:p>
@@ -1390,7 +1390,7 @@
           <a:p>
             <a:fld id="{3976DEC1-65EE-4EAA-B176-E18CFA2BBBE9}" type="datetimeFigureOut">
               <a:rPr lang="en-IN" smtClean="0"/>
-              <a:t>25-04-2024</a:t>
+              <a:t>05-05-2024</a:t>
             </a:fld>
             <a:endParaRPr lang="en-IN"/>
           </a:p>
@@ -1817,7 +1817,7 @@
           <a:p>
             <a:fld id="{3976DEC1-65EE-4EAA-B176-E18CFA2BBBE9}" type="datetimeFigureOut">
               <a:rPr lang="en-IN" smtClean="0"/>
-              <a:t>25-04-2024</a:t>
+              <a:t>05-05-2024</a:t>
             </a:fld>
             <a:endParaRPr lang="en-IN"/>
           </a:p>
@@ -1935,7 +1935,7 @@
           <a:p>
             <a:fld id="{3976DEC1-65EE-4EAA-B176-E18CFA2BBBE9}" type="datetimeFigureOut">
               <a:rPr lang="en-IN" smtClean="0"/>
-              <a:t>25-04-2024</a:t>
+              <a:t>05-05-2024</a:t>
             </a:fld>
             <a:endParaRPr lang="en-IN"/>
           </a:p>
@@ -2030,7 +2030,7 @@
           <a:p>
             <a:fld id="{3976DEC1-65EE-4EAA-B176-E18CFA2BBBE9}" type="datetimeFigureOut">
               <a:rPr lang="en-IN" smtClean="0"/>
-              <a:t>25-04-2024</a:t>
+              <a:t>05-05-2024</a:t>
             </a:fld>
             <a:endParaRPr lang="en-IN"/>
           </a:p>
@@ -2307,7 +2307,7 @@
           <a:p>
             <a:fld id="{3976DEC1-65EE-4EAA-B176-E18CFA2BBBE9}" type="datetimeFigureOut">
               <a:rPr lang="en-IN" smtClean="0"/>
-              <a:t>25-04-2024</a:t>
+              <a:t>05-05-2024</a:t>
             </a:fld>
             <a:endParaRPr lang="en-IN"/>
           </a:p>
@@ -2560,7 +2560,7 @@
           <a:p>
             <a:fld id="{3976DEC1-65EE-4EAA-B176-E18CFA2BBBE9}" type="datetimeFigureOut">
               <a:rPr lang="en-IN" smtClean="0"/>
-              <a:t>25-04-2024</a:t>
+              <a:t>05-05-2024</a:t>
             </a:fld>
             <a:endParaRPr lang="en-IN"/>
           </a:p>
@@ -2773,7 +2773,7 @@
           <a:p>
             <a:fld id="{3976DEC1-65EE-4EAA-B176-E18CFA2BBBE9}" type="datetimeFigureOut">
               <a:rPr lang="en-IN" smtClean="0"/>
-              <a:t>25-04-2024</a:t>
+              <a:t>05-05-2024</a:t>
             </a:fld>
             <a:endParaRPr lang="en-IN"/>
           </a:p>
@@ -3241,19 +3241,8 @@
                 <a:latin typeface="Times New Roman" panose="02020603050405020304" pitchFamily="18" charset="0"/>
                 <a:cs typeface="Times New Roman" panose="02020603050405020304" pitchFamily="18" charset="0"/>
               </a:rPr>
-              <a:t>	M </a:t>
-            </a:r>
-            <a:r>
-              <a:rPr lang="en-US" sz="2400" dirty="0" err="1">
-                <a:latin typeface="Times New Roman" panose="02020603050405020304" pitchFamily="18" charset="0"/>
-                <a:cs typeface="Times New Roman" panose="02020603050405020304" pitchFamily="18" charset="0"/>
-              </a:rPr>
-              <a:t>Ganeshpandiyan</a:t>
-            </a:r>
-            <a:endParaRPr lang="en-US" sz="2400" dirty="0">
-              <a:latin typeface="Times New Roman" panose="02020603050405020304" pitchFamily="18" charset="0"/>
-              <a:cs typeface="Times New Roman" panose="02020603050405020304" pitchFamily="18" charset="0"/>
-            </a:endParaRPr>
+              <a:t>	M Ganesh Pandiyan</a:t>
+            </a:r>
           </a:p>
           <a:p>
             <a:r>
@@ -3352,7 +3341,7 @@
                 <a:latin typeface="Times New Roman" panose="02020603050405020304" pitchFamily="18" charset="0"/>
                 <a:cs typeface="Times New Roman" panose="02020603050405020304" pitchFamily="18" charset="0"/>
               </a:rPr>
-              <a:t> Raja	</a:t>
+              <a:t> Raja M.E.,	</a:t>
             </a:r>
           </a:p>
         </p:txBody>
